--- a/doc/RF Analyzer class diagram.pptx
+++ b/doc/RF Analyzer class diagram.pptx
@@ -288,7 +288,8 @@
           <a:p>
             <a:fld id="{30C93186-AC57-4CB2-99ED-6B3EEEE0089A}" type="datetimeFigureOut">
               <a:rPr lang="de-DE" smtClean="0"/>
-              <a:t>19.10.2014</a:t>
+              <a:pPr/>
+              <a:t>29.01.2015</a:t>
             </a:fld>
             <a:endParaRPr lang="de-DE"/>
           </a:p>
@@ -330,6 +331,7 @@
           <a:p>
             <a:fld id="{9DF9F3FB-68F9-47F9-ACDA-841EE8E9D68B}" type="slidenum">
               <a:rPr lang="de-DE" smtClean="0"/>
+              <a:pPr/>
               <a:t>‹#›</a:t>
             </a:fld>
             <a:endParaRPr lang="de-DE"/>
@@ -453,7 +455,8 @@
           <a:p>
             <a:fld id="{30C93186-AC57-4CB2-99ED-6B3EEEE0089A}" type="datetimeFigureOut">
               <a:rPr lang="de-DE" smtClean="0"/>
-              <a:t>19.10.2014</a:t>
+              <a:pPr/>
+              <a:t>29.01.2015</a:t>
             </a:fld>
             <a:endParaRPr lang="de-DE"/>
           </a:p>
@@ -495,6 +498,7 @@
           <a:p>
             <a:fld id="{9DF9F3FB-68F9-47F9-ACDA-841EE8E9D68B}" type="slidenum">
               <a:rPr lang="de-DE" smtClean="0"/>
+              <a:pPr/>
               <a:t>‹#›</a:t>
             </a:fld>
             <a:endParaRPr lang="de-DE"/>
@@ -628,7 +632,8 @@
           <a:p>
             <a:fld id="{30C93186-AC57-4CB2-99ED-6B3EEEE0089A}" type="datetimeFigureOut">
               <a:rPr lang="de-DE" smtClean="0"/>
-              <a:t>19.10.2014</a:t>
+              <a:pPr/>
+              <a:t>29.01.2015</a:t>
             </a:fld>
             <a:endParaRPr lang="de-DE"/>
           </a:p>
@@ -670,6 +675,7 @@
           <a:p>
             <a:fld id="{9DF9F3FB-68F9-47F9-ACDA-841EE8E9D68B}" type="slidenum">
               <a:rPr lang="de-DE" smtClean="0"/>
+              <a:pPr/>
               <a:t>‹#›</a:t>
             </a:fld>
             <a:endParaRPr lang="de-DE"/>
@@ -793,7 +799,8 @@
           <a:p>
             <a:fld id="{30C93186-AC57-4CB2-99ED-6B3EEEE0089A}" type="datetimeFigureOut">
               <a:rPr lang="de-DE" smtClean="0"/>
-              <a:t>19.10.2014</a:t>
+              <a:pPr/>
+              <a:t>29.01.2015</a:t>
             </a:fld>
             <a:endParaRPr lang="de-DE"/>
           </a:p>
@@ -835,6 +842,7 @@
           <a:p>
             <a:fld id="{9DF9F3FB-68F9-47F9-ACDA-841EE8E9D68B}" type="slidenum">
               <a:rPr lang="de-DE" smtClean="0"/>
+              <a:pPr/>
               <a:t>‹#›</a:t>
             </a:fld>
             <a:endParaRPr lang="de-DE"/>
@@ -1034,7 +1042,8 @@
           <a:p>
             <a:fld id="{30C93186-AC57-4CB2-99ED-6B3EEEE0089A}" type="datetimeFigureOut">
               <a:rPr lang="de-DE" smtClean="0"/>
-              <a:t>19.10.2014</a:t>
+              <a:pPr/>
+              <a:t>29.01.2015</a:t>
             </a:fld>
             <a:endParaRPr lang="de-DE"/>
           </a:p>
@@ -1076,6 +1085,7 @@
           <a:p>
             <a:fld id="{9DF9F3FB-68F9-47F9-ACDA-841EE8E9D68B}" type="slidenum">
               <a:rPr lang="de-DE" smtClean="0"/>
+              <a:pPr/>
               <a:t>‹#›</a:t>
             </a:fld>
             <a:endParaRPr lang="de-DE"/>
@@ -1317,7 +1327,8 @@
           <a:p>
             <a:fld id="{30C93186-AC57-4CB2-99ED-6B3EEEE0089A}" type="datetimeFigureOut">
               <a:rPr lang="de-DE" smtClean="0"/>
-              <a:t>19.10.2014</a:t>
+              <a:pPr/>
+              <a:t>29.01.2015</a:t>
             </a:fld>
             <a:endParaRPr lang="de-DE"/>
           </a:p>
@@ -1359,6 +1370,7 @@
           <a:p>
             <a:fld id="{9DF9F3FB-68F9-47F9-ACDA-841EE8E9D68B}" type="slidenum">
               <a:rPr lang="de-DE" smtClean="0"/>
+              <a:pPr/>
               <a:t>‹#›</a:t>
             </a:fld>
             <a:endParaRPr lang="de-DE"/>
@@ -1734,7 +1746,8 @@
           <a:p>
             <a:fld id="{30C93186-AC57-4CB2-99ED-6B3EEEE0089A}" type="datetimeFigureOut">
               <a:rPr lang="de-DE" smtClean="0"/>
-              <a:t>19.10.2014</a:t>
+              <a:pPr/>
+              <a:t>29.01.2015</a:t>
             </a:fld>
             <a:endParaRPr lang="de-DE"/>
           </a:p>
@@ -1776,6 +1789,7 @@
           <a:p>
             <a:fld id="{9DF9F3FB-68F9-47F9-ACDA-841EE8E9D68B}" type="slidenum">
               <a:rPr lang="de-DE" smtClean="0"/>
+              <a:pPr/>
               <a:t>‹#›</a:t>
             </a:fld>
             <a:endParaRPr lang="de-DE"/>
@@ -1847,7 +1861,8 @@
           <a:p>
             <a:fld id="{30C93186-AC57-4CB2-99ED-6B3EEEE0089A}" type="datetimeFigureOut">
               <a:rPr lang="de-DE" smtClean="0"/>
-              <a:t>19.10.2014</a:t>
+              <a:pPr/>
+              <a:t>29.01.2015</a:t>
             </a:fld>
             <a:endParaRPr lang="de-DE"/>
           </a:p>
@@ -1889,6 +1904,7 @@
           <a:p>
             <a:fld id="{9DF9F3FB-68F9-47F9-ACDA-841EE8E9D68B}" type="slidenum">
               <a:rPr lang="de-DE" smtClean="0"/>
+              <a:pPr/>
               <a:t>‹#›</a:t>
             </a:fld>
             <a:endParaRPr lang="de-DE"/>
@@ -1937,7 +1953,8 @@
           <a:p>
             <a:fld id="{30C93186-AC57-4CB2-99ED-6B3EEEE0089A}" type="datetimeFigureOut">
               <a:rPr lang="de-DE" smtClean="0"/>
-              <a:t>19.10.2014</a:t>
+              <a:pPr/>
+              <a:t>29.01.2015</a:t>
             </a:fld>
             <a:endParaRPr lang="de-DE"/>
           </a:p>
@@ -1979,6 +1996,7 @@
           <a:p>
             <a:fld id="{9DF9F3FB-68F9-47F9-ACDA-841EE8E9D68B}" type="slidenum">
               <a:rPr lang="de-DE" smtClean="0"/>
+              <a:pPr/>
               <a:t>‹#›</a:t>
             </a:fld>
             <a:endParaRPr lang="de-DE"/>
@@ -2209,7 +2227,8 @@
           <a:p>
             <a:fld id="{30C93186-AC57-4CB2-99ED-6B3EEEE0089A}" type="datetimeFigureOut">
               <a:rPr lang="de-DE" smtClean="0"/>
-              <a:t>19.10.2014</a:t>
+              <a:pPr/>
+              <a:t>29.01.2015</a:t>
             </a:fld>
             <a:endParaRPr lang="de-DE"/>
           </a:p>
@@ -2251,6 +2270,7 @@
           <a:p>
             <a:fld id="{9DF9F3FB-68F9-47F9-ACDA-841EE8E9D68B}" type="slidenum">
               <a:rPr lang="de-DE" smtClean="0"/>
+              <a:pPr/>
               <a:t>‹#›</a:t>
             </a:fld>
             <a:endParaRPr lang="de-DE"/>
@@ -2457,7 +2477,8 @@
           <a:p>
             <a:fld id="{30C93186-AC57-4CB2-99ED-6B3EEEE0089A}" type="datetimeFigureOut">
               <a:rPr lang="de-DE" smtClean="0"/>
-              <a:t>19.10.2014</a:t>
+              <a:pPr/>
+              <a:t>29.01.2015</a:t>
             </a:fld>
             <a:endParaRPr lang="de-DE"/>
           </a:p>
@@ -2499,6 +2520,7 @@
           <a:p>
             <a:fld id="{9DF9F3FB-68F9-47F9-ACDA-841EE8E9D68B}" type="slidenum">
               <a:rPr lang="de-DE" smtClean="0"/>
+              <a:pPr/>
               <a:t>‹#›</a:t>
             </a:fld>
             <a:endParaRPr lang="de-DE"/>
@@ -2665,7 +2687,8 @@
           <a:p>
             <a:fld id="{30C93186-AC57-4CB2-99ED-6B3EEEE0089A}" type="datetimeFigureOut">
               <a:rPr lang="de-DE" smtClean="0"/>
-              <a:t>19.10.2014</a:t>
+              <a:pPr/>
+              <a:t>29.01.2015</a:t>
             </a:fld>
             <a:endParaRPr lang="de-DE"/>
           </a:p>
@@ -2743,6 +2766,7 @@
           <a:p>
             <a:fld id="{9DF9F3FB-68F9-47F9-ACDA-841EE8E9D68B}" type="slidenum">
               <a:rPr lang="de-DE" smtClean="0"/>
+              <a:pPr/>
               <a:t>‹#›</a:t>
             </a:fld>
             <a:endParaRPr lang="de-DE"/>
@@ -3268,14 +3292,7 @@
           <a:prstGeom prst="rect">
             <a:avLst/>
           </a:prstGeom>
-          <a:solidFill>
-            <a:srgbClr val="4F81BD">
-              <a:alpha val="60000"/>
-            </a:srgbClr>
-          </a:solidFill>
-          <a:ln>
-            <a:prstDash val="sysDot"/>
-          </a:ln>
+          <a:ln/>
         </p:spPr>
         <p:style>
           <a:lnRef idx="2">
@@ -3299,17 +3316,10 @@
           <a:p>
             <a:pPr algn="ctr"/>
             <a:r>
-              <a:rPr lang="de-DE" b="1" dirty="0" smtClean="0"/>
-              <a:t>rtlsdrSource</a:t>
-            </a:r>
-          </a:p>
-          <a:p>
-            <a:pPr algn="ctr"/>
-            <a:r>
-              <a:rPr lang="de-DE" sz="1000" dirty="0" smtClean="0"/>
-              <a:t>(not implemented yet)</a:t>
-            </a:r>
-            <a:endParaRPr lang="de-DE" sz="1000" dirty="0"/>
+              <a:rPr lang="de-DE" b="1" u="sng" dirty="0" smtClean="0"/>
+              <a:t>RtlsdrSource</a:t>
+            </a:r>
+            <a:endParaRPr lang="de-DE" b="1" u="sng" dirty="0" smtClean="0"/>
           </a:p>
         </p:txBody>
       </p:sp>
@@ -3453,20 +3463,13 @@
         </p:nvSpPr>
         <p:spPr>
           <a:xfrm>
-            <a:off x="4499992" y="5085184"/>
-            <a:ext cx="1800200" cy="1008112"/>
+            <a:off x="4499992" y="5301208"/>
+            <a:ext cx="1800200" cy="576064"/>
           </a:xfrm>
           <a:prstGeom prst="rect">
             <a:avLst/>
           </a:prstGeom>
-          <a:solidFill>
-            <a:srgbClr val="4F81BD">
-              <a:alpha val="60000"/>
-            </a:srgbClr>
-          </a:solidFill>
-          <a:ln>
-            <a:prstDash val="sysDot"/>
-          </a:ln>
+          <a:ln/>
         </p:spPr>
         <p:style>
           <a:lnRef idx="2">
@@ -3490,16 +3493,10 @@
           <a:p>
             <a:pPr algn="ctr"/>
             <a:r>
-              <a:rPr lang="de-DE" b="1" dirty="0" smtClean="0"/>
+              <a:rPr lang="de-DE" b="1" u="sng" dirty="0" smtClean="0"/>
               <a:t>Demodulator</a:t>
             </a:r>
-          </a:p>
-          <a:p>
-            <a:pPr algn="ctr"/>
-            <a:r>
-              <a:rPr lang="de-DE" sz="1000" dirty="0" smtClean="0"/>
-              <a:t>(not implemented yet)</a:t>
-            </a:r>
+            <a:endParaRPr lang="de-DE" b="1" u="sng" dirty="0" smtClean="0"/>
           </a:p>
         </p:txBody>
       </p:sp>
@@ -3628,7 +3625,7 @@
             <a:avLst/>
           </a:prstGeom>
           <a:ln>
-            <a:headEnd type="none" w="med" len="med"/>
+            <a:headEnd type="arrow" w="med" len="med"/>
             <a:tailEnd type="arrow" w="med" len="med"/>
           </a:ln>
         </p:spPr>
@@ -3652,14 +3649,14 @@
           <p:cNvPr id="26" name="Straight Connector 25"/>
           <p:cNvCxnSpPr>
             <a:stCxn id="13" idx="2"/>
-            <a:endCxn id="15" idx="0"/>
+            <a:endCxn id="39" idx="0"/>
           </p:cNvCxnSpPr>
           <p:nvPr/>
         </p:nvCxnSpPr>
         <p:spPr>
           <a:xfrm>
             <a:off x="5400092" y="4293096"/>
-            <a:ext cx="0" cy="792088"/>
+            <a:ext cx="0" cy="216024"/>
           </a:xfrm>
           <a:prstGeom prst="line">
             <a:avLst/>
@@ -4324,6 +4321,170 @@
           <a:prstGeom prst="line">
             <a:avLst/>
           </a:prstGeom>
+        </p:spPr>
+        <p:style>
+          <a:lnRef idx="1">
+            <a:schemeClr val="accent1"/>
+          </a:lnRef>
+          <a:fillRef idx="0">
+            <a:schemeClr val="accent1"/>
+          </a:fillRef>
+          <a:effectRef idx="0">
+            <a:schemeClr val="accent1"/>
+          </a:effectRef>
+          <a:fontRef idx="minor">
+            <a:schemeClr val="tx1"/>
+          </a:fontRef>
+        </p:style>
+      </p:cxnSp>
+      <p:sp>
+        <p:nvSpPr>
+          <p:cNvPr id="39" name="Rectangle 38"/>
+          <p:cNvSpPr/>
+          <p:nvPr/>
+        </p:nvSpPr>
+        <p:spPr>
+          <a:xfrm>
+            <a:off x="4499992" y="4509120"/>
+            <a:ext cx="1800200" cy="576064"/>
+          </a:xfrm>
+          <a:prstGeom prst="rect">
+            <a:avLst/>
+          </a:prstGeom>
+          <a:ln/>
+        </p:spPr>
+        <p:style>
+          <a:lnRef idx="2">
+            <a:schemeClr val="accent1">
+              <a:shade val="50000"/>
+            </a:schemeClr>
+          </a:lnRef>
+          <a:fillRef idx="1">
+            <a:schemeClr val="accent1"/>
+          </a:fillRef>
+          <a:effectRef idx="0">
+            <a:schemeClr val="accent1"/>
+          </a:effectRef>
+          <a:fontRef idx="minor">
+            <a:schemeClr val="lt1"/>
+          </a:fontRef>
+        </p:style>
+        <p:txBody>
+          <a:bodyPr rtlCol="0" anchor="ctr"/>
+          <a:lstStyle/>
+          <a:p>
+            <a:pPr algn="ctr"/>
+            <a:r>
+              <a:rPr lang="de-DE" b="1" u="sng" dirty="0" smtClean="0"/>
+              <a:t>Decimator</a:t>
+            </a:r>
+            <a:endParaRPr lang="de-DE" b="1" u="sng" dirty="0" smtClean="0"/>
+          </a:p>
+        </p:txBody>
+      </p:sp>
+      <p:cxnSp>
+        <p:nvCxnSpPr>
+          <p:cNvPr id="49" name="Straight Connector 48"/>
+          <p:cNvCxnSpPr>
+            <a:stCxn id="39" idx="2"/>
+            <a:endCxn id="15" idx="0"/>
+          </p:cNvCxnSpPr>
+          <p:nvPr/>
+        </p:nvCxnSpPr>
+        <p:spPr>
+          <a:xfrm>
+            <a:off x="5400092" y="5085184"/>
+            <a:ext cx="0" cy="216024"/>
+          </a:xfrm>
+          <a:prstGeom prst="line">
+            <a:avLst/>
+          </a:prstGeom>
+          <a:ln>
+            <a:headEnd type="none" w="med" len="med"/>
+            <a:tailEnd type="arrow" w="med" len="med"/>
+          </a:ln>
+        </p:spPr>
+        <p:style>
+          <a:lnRef idx="1">
+            <a:schemeClr val="accent1"/>
+          </a:lnRef>
+          <a:fillRef idx="0">
+            <a:schemeClr val="accent1"/>
+          </a:fillRef>
+          <a:effectRef idx="0">
+            <a:schemeClr val="accent1"/>
+          </a:effectRef>
+          <a:fontRef idx="minor">
+            <a:schemeClr val="tx1"/>
+          </a:fontRef>
+        </p:style>
+      </p:cxnSp>
+      <p:sp>
+        <p:nvSpPr>
+          <p:cNvPr id="60" name="Rectangle 59"/>
+          <p:cNvSpPr/>
+          <p:nvPr/>
+        </p:nvSpPr>
+        <p:spPr>
+          <a:xfrm>
+            <a:off x="4499992" y="6093296"/>
+            <a:ext cx="1800200" cy="576064"/>
+          </a:xfrm>
+          <a:prstGeom prst="rect">
+            <a:avLst/>
+          </a:prstGeom>
+          <a:ln/>
+        </p:spPr>
+        <p:style>
+          <a:lnRef idx="2">
+            <a:schemeClr val="accent1">
+              <a:shade val="50000"/>
+            </a:schemeClr>
+          </a:lnRef>
+          <a:fillRef idx="1">
+            <a:schemeClr val="accent1"/>
+          </a:fillRef>
+          <a:effectRef idx="0">
+            <a:schemeClr val="accent1"/>
+          </a:effectRef>
+          <a:fontRef idx="minor">
+            <a:schemeClr val="lt1"/>
+          </a:fontRef>
+        </p:style>
+        <p:txBody>
+          <a:bodyPr rtlCol="0" anchor="ctr"/>
+          <a:lstStyle/>
+          <a:p>
+            <a:pPr algn="ctr"/>
+            <a:r>
+              <a:rPr lang="de-DE" b="1" u="sng" dirty="0" smtClean="0"/>
+              <a:t>AudioSink</a:t>
+            </a:r>
+            <a:endParaRPr lang="de-DE" b="1" u="sng" dirty="0" smtClean="0"/>
+          </a:p>
+        </p:txBody>
+      </p:sp>
+      <p:cxnSp>
+        <p:nvCxnSpPr>
+          <p:cNvPr id="61" name="Straight Connector 60"/>
+          <p:cNvCxnSpPr>
+            <a:stCxn id="15" idx="2"/>
+            <a:endCxn id="60" idx="0"/>
+          </p:cNvCxnSpPr>
+          <p:nvPr/>
+        </p:nvCxnSpPr>
+        <p:spPr>
+          <a:xfrm>
+            <a:off x="5400092" y="5877272"/>
+            <a:ext cx="0" cy="216024"/>
+          </a:xfrm>
+          <a:prstGeom prst="line">
+            <a:avLst/>
+          </a:prstGeom>
+          <a:ln>
+            <a:headEnd type="none" w="med" len="med"/>
+            <a:tailEnd type="arrow" w="med" len="med"/>
+          </a:ln>
         </p:spPr>
         <p:style>
           <a:lnRef idx="1">
